--- a/dev/06032023/Consept for UI .pptx
+++ b/dev/06032023/Consept for UI .pptx
@@ -16,8 +16,8 @@
     <p:sldId id="261" r:id="rId7"/>
     <p:sldId id="262" r:id="rId8"/>
     <p:sldId id="263" r:id="rId9"/>
-    <p:sldId id="264" r:id="rId10"/>
-    <p:sldId id="265" r:id="rId11"/>
+    <p:sldId id="265" r:id="rId10"/>
+    <p:sldId id="268" r:id="rId11"/>
     <p:sldId id="266" r:id="rId12"/>
     <p:sldId id="267" r:id="rId13"/>
   </p:sldIdLst>
@@ -216,7 +216,7 @@
           <a:p>
             <a:fld id="{DE0AC873-FFDF-430D-9584-A0F63408D93D}" type="datetimeFigureOut">
               <a:rPr lang="en-GB" smtClean="0"/>
-              <a:t>20/03/2023</a:t>
+              <a:t>24/04/2023</a:t>
             </a:fld>
             <a:endParaRPr lang="en-GB"/>
           </a:p>
@@ -713,7 +713,7 @@
           <a:bodyPr/>
           <a:lstStyle/>
           <a:p>
-            <a:endParaRPr lang="en-GB" dirty="0"/>
+            <a:endParaRPr lang="en-GB"/>
           </a:p>
         </p:txBody>
       </p:sp>
@@ -734,7 +734,7 @@
           <a:p>
             <a:fld id="{C63B81ED-E20C-4BA3-AA19-3839F49C1673}" type="slidenum">
               <a:rPr lang="en-GB" smtClean="0"/>
-              <a:t>9</a:t>
+              <a:t>10</a:t>
             </a:fld>
             <a:endParaRPr lang="en-GB"/>
           </a:p>
@@ -743,7 +743,7 @@
     </p:spTree>
     <p:extLst>
       <p:ext uri="{BB962C8B-B14F-4D97-AF65-F5344CB8AC3E}">
-        <p14:creationId xmlns:p14="http://schemas.microsoft.com/office/powerpoint/2010/main" val="1041502065"/>
+        <p14:creationId xmlns:p14="http://schemas.microsoft.com/office/powerpoint/2010/main" val="3559740066"/>
       </p:ext>
     </p:extLst>
   </p:cSld>
@@ -1068,7 +1068,7 @@
           <a:p>
             <a:fld id="{0A09E681-82B4-4476-A87B-C0763714BAAD}" type="datetimeFigureOut">
               <a:rPr lang="en-GB" smtClean="0"/>
-              <a:t>20/03/2023</a:t>
+              <a:t>24/04/2023</a:t>
             </a:fld>
             <a:endParaRPr lang="en-GB"/>
           </a:p>
@@ -1266,7 +1266,7 @@
           <a:p>
             <a:fld id="{0A09E681-82B4-4476-A87B-C0763714BAAD}" type="datetimeFigureOut">
               <a:rPr lang="en-GB" smtClean="0"/>
-              <a:t>20/03/2023</a:t>
+              <a:t>24/04/2023</a:t>
             </a:fld>
             <a:endParaRPr lang="en-GB"/>
           </a:p>
@@ -1474,7 +1474,7 @@
           <a:p>
             <a:fld id="{0A09E681-82B4-4476-A87B-C0763714BAAD}" type="datetimeFigureOut">
               <a:rPr lang="en-GB" smtClean="0"/>
-              <a:t>20/03/2023</a:t>
+              <a:t>24/04/2023</a:t>
             </a:fld>
             <a:endParaRPr lang="en-GB"/>
           </a:p>
@@ -1672,7 +1672,7 @@
           <a:p>
             <a:fld id="{0A09E681-82B4-4476-A87B-C0763714BAAD}" type="datetimeFigureOut">
               <a:rPr lang="en-GB" smtClean="0"/>
-              <a:t>20/03/2023</a:t>
+              <a:t>24/04/2023</a:t>
             </a:fld>
             <a:endParaRPr lang="en-GB"/>
           </a:p>
@@ -1947,7 +1947,7 @@
           <a:p>
             <a:fld id="{0A09E681-82B4-4476-A87B-C0763714BAAD}" type="datetimeFigureOut">
               <a:rPr lang="en-GB" smtClean="0"/>
-              <a:t>20/03/2023</a:t>
+              <a:t>24/04/2023</a:t>
             </a:fld>
             <a:endParaRPr lang="en-GB"/>
           </a:p>
@@ -2212,7 +2212,7 @@
           <a:p>
             <a:fld id="{0A09E681-82B4-4476-A87B-C0763714BAAD}" type="datetimeFigureOut">
               <a:rPr lang="en-GB" smtClean="0"/>
-              <a:t>20/03/2023</a:t>
+              <a:t>24/04/2023</a:t>
             </a:fld>
             <a:endParaRPr lang="en-GB"/>
           </a:p>
@@ -2624,7 +2624,7 @@
           <a:p>
             <a:fld id="{0A09E681-82B4-4476-A87B-C0763714BAAD}" type="datetimeFigureOut">
               <a:rPr lang="en-GB" smtClean="0"/>
-              <a:t>20/03/2023</a:t>
+              <a:t>24/04/2023</a:t>
             </a:fld>
             <a:endParaRPr lang="en-GB"/>
           </a:p>
@@ -2765,7 +2765,7 @@
           <a:p>
             <a:fld id="{0A09E681-82B4-4476-A87B-C0763714BAAD}" type="datetimeFigureOut">
               <a:rPr lang="en-GB" smtClean="0"/>
-              <a:t>20/03/2023</a:t>
+              <a:t>24/04/2023</a:t>
             </a:fld>
             <a:endParaRPr lang="en-GB"/>
           </a:p>
@@ -2878,7 +2878,7 @@
           <a:p>
             <a:fld id="{0A09E681-82B4-4476-A87B-C0763714BAAD}" type="datetimeFigureOut">
               <a:rPr lang="en-GB" smtClean="0"/>
-              <a:t>20/03/2023</a:t>
+              <a:t>24/04/2023</a:t>
             </a:fld>
             <a:endParaRPr lang="en-GB"/>
           </a:p>
@@ -3189,7 +3189,7 @@
           <a:p>
             <a:fld id="{0A09E681-82B4-4476-A87B-C0763714BAAD}" type="datetimeFigureOut">
               <a:rPr lang="en-GB" smtClean="0"/>
-              <a:t>20/03/2023</a:t>
+              <a:t>24/04/2023</a:t>
             </a:fld>
             <a:endParaRPr lang="en-GB"/>
           </a:p>
@@ -3477,7 +3477,7 @@
           <a:p>
             <a:fld id="{0A09E681-82B4-4476-A87B-C0763714BAAD}" type="datetimeFigureOut">
               <a:rPr lang="en-GB" smtClean="0"/>
-              <a:t>20/03/2023</a:t>
+              <a:t>24/04/2023</a:t>
             </a:fld>
             <a:endParaRPr lang="en-GB"/>
           </a:p>
@@ -3718,7 +3718,7 @@
           <a:p>
             <a:fld id="{0A09E681-82B4-4476-A87B-C0763714BAAD}" type="datetimeFigureOut">
               <a:rPr lang="en-GB" smtClean="0"/>
-              <a:t>20/03/2023</a:t>
+              <a:t>24/04/2023</a:t>
             </a:fld>
             <a:endParaRPr lang="en-GB"/>
           </a:p>
@@ -4279,12 +4279,15 @@
             <a:avLst/>
           </a:prstGeom>
           <a:solidFill>
-            <a:schemeClr val="accent3">
+            <a:schemeClr val="bg1">
+              <a:lumMod val="85000"/>
               <a:alpha val="50000"/>
             </a:schemeClr>
           </a:solidFill>
           <a:ln>
-            <a:noFill/>
+            <a:solidFill>
+              <a:schemeClr val="tx1"/>
+            </a:solidFill>
           </a:ln>
         </p:spPr>
         <p:style>
@@ -4312,10 +4315,10 @@
       </p:sp>
       <p:sp>
         <p:nvSpPr>
-          <p:cNvPr id="5" name="Rectangle: Rounded Corners 4">
-            <a:extLst>
-              <a:ext uri="{FF2B5EF4-FFF2-40B4-BE49-F238E27FC236}">
-                <a16:creationId xmlns:a16="http://schemas.microsoft.com/office/drawing/2014/main" id="{A5579AB8-2BF9-B2BD-EBA1-BC9C3C63E3EC}"/>
+          <p:cNvPr id="6" name="Rectangle: Rounded Corners 5">
+            <a:extLst>
+              <a:ext uri="{FF2B5EF4-FFF2-40B4-BE49-F238E27FC236}">
+                <a16:creationId xmlns:a16="http://schemas.microsoft.com/office/drawing/2014/main" id="{85FA8B02-BA13-2513-F3FF-25F07A59291A}"/>
               </a:ext>
             </a:extLst>
           </p:cNvPr>
@@ -4324,17 +4327,18 @@
         </p:nvSpPr>
         <p:spPr>
           <a:xfrm>
-            <a:off x="765943" y="256622"/>
-            <a:ext cx="8651325" cy="5429476"/>
+            <a:off x="762009" y="256622"/>
+            <a:ext cx="2112570" cy="6223007"/>
           </a:xfrm>
           <a:prstGeom prst="roundRect">
             <a:avLst>
-              <a:gd name="adj" fmla="val 5299"/>
+              <a:gd name="adj" fmla="val 11692"/>
             </a:avLst>
           </a:prstGeom>
           <a:solidFill>
             <a:schemeClr val="accent2">
-              <a:alpha val="50000"/>
+              <a:lumMod val="60000"/>
+              <a:lumOff val="40000"/>
             </a:schemeClr>
           </a:solidFill>
           <a:ln>
@@ -4366,10 +4370,10 @@
       </p:sp>
       <p:sp>
         <p:nvSpPr>
-          <p:cNvPr id="6" name="Rectangle: Rounded Corners 5">
-            <a:extLst>
-              <a:ext uri="{FF2B5EF4-FFF2-40B4-BE49-F238E27FC236}">
-                <a16:creationId xmlns:a16="http://schemas.microsoft.com/office/drawing/2014/main" id="{85FA8B02-BA13-2513-F3FF-25F07A59291A}"/>
+          <p:cNvPr id="10" name="Rectangle: Rounded Corners 9">
+            <a:extLst>
+              <a:ext uri="{FF2B5EF4-FFF2-40B4-BE49-F238E27FC236}">
+                <a16:creationId xmlns:a16="http://schemas.microsoft.com/office/drawing/2014/main" id="{BEE30118-53A6-CD00-F408-B9730F5884CE}"/>
               </a:ext>
             </a:extLst>
           </p:cNvPr>
@@ -4378,17 +4382,189 @@
         </p:nvSpPr>
         <p:spPr>
           <a:xfrm>
-            <a:off x="9569678" y="256621"/>
-            <a:ext cx="2112570" cy="5429476"/>
+            <a:off x="1151668" y="474698"/>
+            <a:ext cx="1333252" cy="946725"/>
+          </a:xfrm>
+          <a:prstGeom prst="roundRect">
+            <a:avLst/>
+          </a:prstGeom>
+          <a:solidFill>
+            <a:schemeClr val="bg2">
+              <a:lumMod val="50000"/>
+            </a:schemeClr>
+          </a:solidFill>
+          <a:ln>
+            <a:noFill/>
+          </a:ln>
+        </p:spPr>
+        <p:style>
+          <a:lnRef idx="2">
+            <a:schemeClr val="accent1">
+              <a:shade val="50000"/>
+            </a:schemeClr>
+          </a:lnRef>
+          <a:fillRef idx="1">
+            <a:schemeClr val="accent1"/>
+          </a:fillRef>
+          <a:effectRef idx="0">
+            <a:schemeClr val="accent1"/>
+          </a:effectRef>
+          <a:fontRef idx="minor">
+            <a:schemeClr val="lt1"/>
+          </a:fontRef>
+        </p:style>
+        <p:txBody>
+          <a:bodyPr rtlCol="0" anchor="ctr"/>
+          <a:lstStyle/>
+          <a:p>
+            <a:pPr algn="ctr"/>
+            <a:r>
+              <a:rPr lang="en-GB" dirty="0"/>
+              <a:t>Frame</a:t>
+            </a:r>
+          </a:p>
+        </p:txBody>
+      </p:sp>
+      <p:sp>
+        <p:nvSpPr>
+          <p:cNvPr id="11" name="Rectangle: Rounded Corners 10">
+            <a:extLst>
+              <a:ext uri="{FF2B5EF4-FFF2-40B4-BE49-F238E27FC236}">
+                <a16:creationId xmlns:a16="http://schemas.microsoft.com/office/drawing/2014/main" id="{682D700A-36DB-AEB1-E7C2-1F0AF4FFE1D2}"/>
+              </a:ext>
+            </a:extLst>
+          </p:cNvPr>
+          <p:cNvSpPr/>
+          <p:nvPr/>
+        </p:nvSpPr>
+        <p:spPr>
+          <a:xfrm>
+            <a:off x="1151668" y="1517744"/>
+            <a:ext cx="1333252" cy="946725"/>
+          </a:xfrm>
+          <a:prstGeom prst="roundRect">
+            <a:avLst/>
+          </a:prstGeom>
+          <a:solidFill>
+            <a:schemeClr val="bg2">
+              <a:lumMod val="50000"/>
+            </a:schemeClr>
+          </a:solidFill>
+          <a:ln>
+            <a:noFill/>
+          </a:ln>
+        </p:spPr>
+        <p:style>
+          <a:lnRef idx="2">
+            <a:schemeClr val="accent1">
+              <a:shade val="50000"/>
+            </a:schemeClr>
+          </a:lnRef>
+          <a:fillRef idx="1">
+            <a:schemeClr val="accent1"/>
+          </a:fillRef>
+          <a:effectRef idx="0">
+            <a:schemeClr val="accent1"/>
+          </a:effectRef>
+          <a:fontRef idx="minor">
+            <a:schemeClr val="lt1"/>
+          </a:fontRef>
+        </p:style>
+        <p:txBody>
+          <a:bodyPr rtlCol="0" anchor="ctr"/>
+          <a:lstStyle/>
+          <a:p>
+            <a:pPr algn="ctr"/>
+            <a:r>
+              <a:rPr lang="en-GB" dirty="0"/>
+              <a:t>Frame</a:t>
+            </a:r>
+          </a:p>
+        </p:txBody>
+      </p:sp>
+      <p:sp>
+        <p:nvSpPr>
+          <p:cNvPr id="12" name="Rectangle: Rounded Corners 11">
+            <a:extLst>
+              <a:ext uri="{FF2B5EF4-FFF2-40B4-BE49-F238E27FC236}">
+                <a16:creationId xmlns:a16="http://schemas.microsoft.com/office/drawing/2014/main" id="{F923FD30-A9BB-47B5-7118-3601646C1146}"/>
+              </a:ext>
+            </a:extLst>
+          </p:cNvPr>
+          <p:cNvSpPr/>
+          <p:nvPr/>
+        </p:nvSpPr>
+        <p:spPr>
+          <a:xfrm>
+            <a:off x="1151668" y="2558875"/>
+            <a:ext cx="1333252" cy="946725"/>
+          </a:xfrm>
+          <a:prstGeom prst="roundRect">
+            <a:avLst/>
+          </a:prstGeom>
+          <a:solidFill>
+            <a:schemeClr val="bg2">
+              <a:lumMod val="50000"/>
+            </a:schemeClr>
+          </a:solidFill>
+          <a:ln>
+            <a:noFill/>
+          </a:ln>
+        </p:spPr>
+        <p:style>
+          <a:lnRef idx="2">
+            <a:schemeClr val="accent1">
+              <a:shade val="50000"/>
+            </a:schemeClr>
+          </a:lnRef>
+          <a:fillRef idx="1">
+            <a:schemeClr val="accent1"/>
+          </a:fillRef>
+          <a:effectRef idx="0">
+            <a:schemeClr val="accent1"/>
+          </a:effectRef>
+          <a:fontRef idx="minor">
+            <a:schemeClr val="lt1"/>
+          </a:fontRef>
+        </p:style>
+        <p:txBody>
+          <a:bodyPr rtlCol="0" anchor="ctr"/>
+          <a:lstStyle/>
+          <a:p>
+            <a:pPr algn="ctr"/>
+            <a:r>
+              <a:rPr lang="en-GB" dirty="0"/>
+              <a:t>Frame</a:t>
+            </a:r>
+          </a:p>
+        </p:txBody>
+      </p:sp>
+      <p:sp>
+        <p:nvSpPr>
+          <p:cNvPr id="16" name="Rectangle: Rounded Corners 15">
+            <a:extLst>
+              <a:ext uri="{FF2B5EF4-FFF2-40B4-BE49-F238E27FC236}">
+                <a16:creationId xmlns:a16="http://schemas.microsoft.com/office/drawing/2014/main" id="{A4949354-09A7-25FC-2BCC-4280A72F9367}"/>
+              </a:ext>
+            </a:extLst>
+          </p:cNvPr>
+          <p:cNvSpPr/>
+          <p:nvPr/>
+        </p:nvSpPr>
+        <p:spPr>
+          <a:xfrm>
+            <a:off x="3023055" y="5782403"/>
+            <a:ext cx="8651325" cy="666696"/>
           </a:xfrm>
           <a:prstGeom prst="roundRect">
             <a:avLst>
-              <a:gd name="adj" fmla="val 11692"/>
+              <a:gd name="adj" fmla="val 29033"/>
             </a:avLst>
           </a:prstGeom>
           <a:solidFill>
             <a:schemeClr val="accent2">
-              <a:alpha val="50000"/>
+              <a:lumMod val="60000"/>
+              <a:lumOff val="40000"/>
             </a:schemeClr>
           </a:solidFill>
           <a:ln>
@@ -4420,10 +4596,10 @@
       </p:sp>
       <p:sp>
         <p:nvSpPr>
-          <p:cNvPr id="7" name="Rectangle: Rounded Corners 6">
-            <a:extLst>
-              <a:ext uri="{FF2B5EF4-FFF2-40B4-BE49-F238E27FC236}">
-                <a16:creationId xmlns:a16="http://schemas.microsoft.com/office/drawing/2014/main" id="{196A0EBE-6B53-CC42-2119-6097D5C97458}"/>
+          <p:cNvPr id="17" name="Rectangle: Rounded Corners 16">
+            <a:extLst>
+              <a:ext uri="{FF2B5EF4-FFF2-40B4-BE49-F238E27FC236}">
+                <a16:creationId xmlns:a16="http://schemas.microsoft.com/office/drawing/2014/main" id="{521909B0-9914-4BBA-5370-F70F5A45CD8D}"/>
               </a:ext>
             </a:extLst>
           </p:cNvPr>
@@ -4432,17 +4608,132 @@
         </p:nvSpPr>
         <p:spPr>
           <a:xfrm>
-            <a:off x="765943" y="5812932"/>
-            <a:ext cx="10916305" cy="666696"/>
+            <a:off x="3235923" y="5878725"/>
+            <a:ext cx="1301933" cy="474051"/>
+          </a:xfrm>
+          <a:prstGeom prst="roundRect">
+            <a:avLst/>
+          </a:prstGeom>
+          <a:solidFill>
+            <a:schemeClr val="bg2">
+              <a:lumMod val="50000"/>
+            </a:schemeClr>
+          </a:solidFill>
+          <a:ln>
+            <a:noFill/>
+          </a:ln>
+        </p:spPr>
+        <p:style>
+          <a:lnRef idx="2">
+            <a:schemeClr val="accent1">
+              <a:shade val="50000"/>
+            </a:schemeClr>
+          </a:lnRef>
+          <a:fillRef idx="1">
+            <a:schemeClr val="accent1"/>
+          </a:fillRef>
+          <a:effectRef idx="0">
+            <a:schemeClr val="accent1"/>
+          </a:effectRef>
+          <a:fontRef idx="minor">
+            <a:schemeClr val="lt1"/>
+          </a:fontRef>
+        </p:style>
+        <p:txBody>
+          <a:bodyPr rtlCol="0" anchor="ctr"/>
+          <a:lstStyle/>
+          <a:p>
+            <a:pPr algn="ctr"/>
+            <a:r>
+              <a:rPr lang="en-GB" dirty="0"/>
+              <a:t>Exit</a:t>
+            </a:r>
+          </a:p>
+        </p:txBody>
+      </p:sp>
+      <p:sp>
+        <p:nvSpPr>
+          <p:cNvPr id="18" name="Rectangle: Rounded Corners 17">
+            <a:extLst>
+              <a:ext uri="{FF2B5EF4-FFF2-40B4-BE49-F238E27FC236}">
+                <a16:creationId xmlns:a16="http://schemas.microsoft.com/office/drawing/2014/main" id="{99ACB9D4-CA71-7250-36C2-C27B52C600E0}"/>
+              </a:ext>
+            </a:extLst>
+          </p:cNvPr>
+          <p:cNvSpPr/>
+          <p:nvPr/>
+        </p:nvSpPr>
+        <p:spPr>
+          <a:xfrm>
+            <a:off x="10225303" y="5878725"/>
+            <a:ext cx="1301933" cy="474051"/>
+          </a:xfrm>
+          <a:prstGeom prst="roundRect">
+            <a:avLst/>
+          </a:prstGeom>
+          <a:solidFill>
+            <a:schemeClr val="bg2">
+              <a:lumMod val="50000"/>
+            </a:schemeClr>
+          </a:solidFill>
+          <a:ln>
+            <a:noFill/>
+          </a:ln>
+        </p:spPr>
+        <p:style>
+          <a:lnRef idx="2">
+            <a:schemeClr val="accent1">
+              <a:shade val="50000"/>
+            </a:schemeClr>
+          </a:lnRef>
+          <a:fillRef idx="1">
+            <a:schemeClr val="accent1"/>
+          </a:fillRef>
+          <a:effectRef idx="0">
+            <a:schemeClr val="accent1"/>
+          </a:effectRef>
+          <a:fontRef idx="minor">
+            <a:schemeClr val="lt1"/>
+          </a:fontRef>
+        </p:style>
+        <p:txBody>
+          <a:bodyPr rtlCol="0" anchor="ctr"/>
+          <a:lstStyle/>
+          <a:p>
+            <a:pPr algn="ctr"/>
+            <a:r>
+              <a:rPr lang="en-GB" dirty="0"/>
+              <a:t>Next</a:t>
+            </a:r>
+          </a:p>
+        </p:txBody>
+      </p:sp>
+      <p:sp>
+        <p:nvSpPr>
+          <p:cNvPr id="21" name="Rectangle: Rounded Corners 20">
+            <a:extLst>
+              <a:ext uri="{FF2B5EF4-FFF2-40B4-BE49-F238E27FC236}">
+                <a16:creationId xmlns:a16="http://schemas.microsoft.com/office/drawing/2014/main" id="{F591CA5E-A72E-1818-7D63-DD36B466A6E2}"/>
+              </a:ext>
+            </a:extLst>
+          </p:cNvPr>
+          <p:cNvSpPr/>
+          <p:nvPr/>
+        </p:nvSpPr>
+        <p:spPr>
+          <a:xfrm>
+            <a:off x="3023055" y="171266"/>
+            <a:ext cx="8651325" cy="5416815"/>
           </a:xfrm>
           <a:prstGeom prst="roundRect">
             <a:avLst>
-              <a:gd name="adj" fmla="val 29033"/>
+              <a:gd name="adj" fmla="val 5299"/>
             </a:avLst>
           </a:prstGeom>
           <a:solidFill>
             <a:schemeClr val="accent2">
-              <a:alpha val="50000"/>
+              <a:lumMod val="60000"/>
+              <a:lumOff val="40000"/>
             </a:schemeClr>
           </a:solidFill>
           <a:ln>
@@ -4474,10 +4765,10 @@
       </p:sp>
       <p:sp>
         <p:nvSpPr>
-          <p:cNvPr id="8" name="Rectangle: Rounded Corners 7">
-            <a:extLst>
-              <a:ext uri="{FF2B5EF4-FFF2-40B4-BE49-F238E27FC236}">
-                <a16:creationId xmlns:a16="http://schemas.microsoft.com/office/drawing/2014/main" id="{9712A587-BECF-5345-5064-1F61136F8657}"/>
+          <p:cNvPr id="23" name="Rectangle: Rounded Corners 22">
+            <a:extLst>
+              <a:ext uri="{FF2B5EF4-FFF2-40B4-BE49-F238E27FC236}">
+                <a16:creationId xmlns:a16="http://schemas.microsoft.com/office/drawing/2014/main" id="{8000C769-DA91-E816-8402-A8794C4D7152}"/>
               </a:ext>
             </a:extLst>
           </p:cNvPr>
@@ -4486,8 +4777,8 @@
         </p:nvSpPr>
         <p:spPr>
           <a:xfrm>
-            <a:off x="978811" y="5909254"/>
-            <a:ext cx="1301933" cy="474051"/>
+            <a:off x="5745588" y="5038256"/>
+            <a:ext cx="1054805" cy="473364"/>
           </a:xfrm>
           <a:prstGeom prst="roundRect">
             <a:avLst/>
@@ -4524,17 +4815,17 @@
             <a:pPr algn="ctr"/>
             <a:r>
               <a:rPr lang="en-GB" dirty="0"/>
-              <a:t>Exit</a:t>
-            </a:r>
-          </a:p>
-        </p:txBody>
-      </p:sp>
-      <p:sp>
-        <p:nvSpPr>
-          <p:cNvPr id="9" name="Rectangle: Rounded Corners 8">
-            <a:extLst>
-              <a:ext uri="{FF2B5EF4-FFF2-40B4-BE49-F238E27FC236}">
-                <a16:creationId xmlns:a16="http://schemas.microsoft.com/office/drawing/2014/main" id="{CA369B32-85C7-8734-28A9-44C56560ACC3}"/>
+              <a:t>Save</a:t>
+            </a:r>
+          </a:p>
+        </p:txBody>
+      </p:sp>
+      <p:sp>
+        <p:nvSpPr>
+          <p:cNvPr id="24" name="Rectangle: Rounded Corners 23">
+            <a:extLst>
+              <a:ext uri="{FF2B5EF4-FFF2-40B4-BE49-F238E27FC236}">
+                <a16:creationId xmlns:a16="http://schemas.microsoft.com/office/drawing/2014/main" id="{62B7D942-76AE-0BF7-EFB7-4C640F7C4D72}"/>
               </a:ext>
             </a:extLst>
           </p:cNvPr>
@@ -4543,8 +4834,8 @@
         </p:nvSpPr>
         <p:spPr>
           <a:xfrm>
-            <a:off x="10124124" y="5909253"/>
-            <a:ext cx="1301933" cy="474051"/>
+            <a:off x="7915622" y="5038256"/>
+            <a:ext cx="1133785" cy="473364"/>
           </a:xfrm>
           <a:prstGeom prst="roundRect">
             <a:avLst/>
@@ -4581,17 +4872,53 @@
             <a:pPr algn="ctr"/>
             <a:r>
               <a:rPr lang="en-GB" dirty="0"/>
-              <a:t>Next</a:t>
-            </a:r>
-          </a:p>
-        </p:txBody>
-      </p:sp>
-      <p:sp>
-        <p:nvSpPr>
-          <p:cNvPr id="10" name="Rectangle: Rounded Corners 9">
-            <a:extLst>
-              <a:ext uri="{FF2B5EF4-FFF2-40B4-BE49-F238E27FC236}">
-                <a16:creationId xmlns:a16="http://schemas.microsoft.com/office/drawing/2014/main" id="{BEE30118-53A6-CD00-F408-B9730F5884CE}"/>
+              <a:t>Delete</a:t>
+            </a:r>
+          </a:p>
+        </p:txBody>
+      </p:sp>
+      <p:sp>
+        <p:nvSpPr>
+          <p:cNvPr id="25" name="TextBox 24">
+            <a:extLst>
+              <a:ext uri="{FF2B5EF4-FFF2-40B4-BE49-F238E27FC236}">
+                <a16:creationId xmlns:a16="http://schemas.microsoft.com/office/drawing/2014/main" id="{2CF3EA07-0866-E306-97AD-FADAC3B12B0A}"/>
+              </a:ext>
+            </a:extLst>
+          </p:cNvPr>
+          <p:cNvSpPr txBox="1"/>
+          <p:nvPr/>
+        </p:nvSpPr>
+        <p:spPr>
+          <a:xfrm>
+            <a:off x="6722727" y="240174"/>
+            <a:ext cx="1430520" cy="707886"/>
+          </a:xfrm>
+          <a:prstGeom prst="rect">
+            <a:avLst/>
+          </a:prstGeom>
+          <a:noFill/>
+        </p:spPr>
+        <p:txBody>
+          <a:bodyPr wrap="none" rtlCol="0">
+            <a:spAutoFit/>
+          </a:bodyPr>
+          <a:lstStyle/>
+          <a:p>
+            <a:r>
+              <a:rPr lang="en-GB" sz="4000" dirty="0"/>
+              <a:t>Editor</a:t>
+            </a:r>
+            <a:endParaRPr lang="en-GB" dirty="0"/>
+          </a:p>
+        </p:txBody>
+      </p:sp>
+      <p:sp>
+        <p:nvSpPr>
+          <p:cNvPr id="27" name="Rectangle: Rounded Corners 26">
+            <a:extLst>
+              <a:ext uri="{FF2B5EF4-FFF2-40B4-BE49-F238E27FC236}">
+                <a16:creationId xmlns:a16="http://schemas.microsoft.com/office/drawing/2014/main" id="{049F379D-9710-F5BB-8C37-B11395183CD8}"/>
               </a:ext>
             </a:extLst>
           </p:cNvPr>
@@ -4600,8 +4927,8 @@
         </p:nvSpPr>
         <p:spPr>
           <a:xfrm>
-            <a:off x="9959337" y="474696"/>
-            <a:ext cx="1333252" cy="946725"/>
+            <a:off x="5284101" y="996980"/>
+            <a:ext cx="4227760" cy="473363"/>
           </a:xfrm>
           <a:prstGeom prst="roundRect">
             <a:avLst/>
@@ -4638,17 +4965,17 @@
             <a:pPr algn="ctr"/>
             <a:r>
               <a:rPr lang="en-GB" dirty="0"/>
-              <a:t>Frame</a:t>
-            </a:r>
-          </a:p>
-        </p:txBody>
-      </p:sp>
-      <p:sp>
-        <p:nvSpPr>
-          <p:cNvPr id="11" name="Rectangle: Rounded Corners 10">
-            <a:extLst>
-              <a:ext uri="{FF2B5EF4-FFF2-40B4-BE49-F238E27FC236}">
-                <a16:creationId xmlns:a16="http://schemas.microsoft.com/office/drawing/2014/main" id="{682D700A-36DB-AEB1-E7C2-1F0AF4FFE1D2}"/>
+              <a:t>Sprite name</a:t>
+            </a:r>
+          </a:p>
+        </p:txBody>
+      </p:sp>
+      <p:sp>
+        <p:nvSpPr>
+          <p:cNvPr id="28" name="Rectangle: Rounded Corners 27">
+            <a:extLst>
+              <a:ext uri="{FF2B5EF4-FFF2-40B4-BE49-F238E27FC236}">
+                <a16:creationId xmlns:a16="http://schemas.microsoft.com/office/drawing/2014/main" id="{E7E6E6E8-378A-0ADC-59B7-9509D3925393}"/>
               </a:ext>
             </a:extLst>
           </p:cNvPr>
@@ -4657,8 +4984,8 @@
         </p:nvSpPr>
         <p:spPr>
           <a:xfrm>
-            <a:off x="9959337" y="1517742"/>
-            <a:ext cx="1333252" cy="946725"/>
+            <a:off x="5284101" y="3993689"/>
+            <a:ext cx="4227760" cy="473363"/>
           </a:xfrm>
           <a:prstGeom prst="roundRect">
             <a:avLst/>
@@ -4695,17 +5022,17 @@
             <a:pPr algn="ctr"/>
             <a:r>
               <a:rPr lang="en-GB" dirty="0"/>
-              <a:t>Frame</a:t>
-            </a:r>
-          </a:p>
-        </p:txBody>
-      </p:sp>
-      <p:sp>
-        <p:nvSpPr>
-          <p:cNvPr id="12" name="Rectangle: Rounded Corners 11">
-            <a:extLst>
-              <a:ext uri="{FF2B5EF4-FFF2-40B4-BE49-F238E27FC236}">
-                <a16:creationId xmlns:a16="http://schemas.microsoft.com/office/drawing/2014/main" id="{F923FD30-A9BB-47B5-7118-3601646C1146}"/>
+              <a:t>Costume name</a:t>
+            </a:r>
+          </a:p>
+        </p:txBody>
+      </p:sp>
+      <p:sp>
+        <p:nvSpPr>
+          <p:cNvPr id="29" name="Rectangle: Rounded Corners 28">
+            <a:extLst>
+              <a:ext uri="{FF2B5EF4-FFF2-40B4-BE49-F238E27FC236}">
+                <a16:creationId xmlns:a16="http://schemas.microsoft.com/office/drawing/2014/main" id="{C6A0F112-7EEC-C07F-5987-3EC0584DD60D}"/>
               </a:ext>
             </a:extLst>
           </p:cNvPr>
@@ -4714,8 +5041,8 @@
         </p:nvSpPr>
         <p:spPr>
           <a:xfrm>
-            <a:off x="9959337" y="2558873"/>
-            <a:ext cx="1333252" cy="946725"/>
+            <a:off x="6070393" y="1835598"/>
+            <a:ext cx="2735188" cy="1743915"/>
           </a:xfrm>
           <a:prstGeom prst="roundRect">
             <a:avLst/>
@@ -4757,126 +5084,10 @@
           </a:p>
         </p:txBody>
       </p:sp>
-      <p:sp>
-        <p:nvSpPr>
-          <p:cNvPr id="13" name="Rectangle: Rounded Corners 12">
-            <a:extLst>
-              <a:ext uri="{FF2B5EF4-FFF2-40B4-BE49-F238E27FC236}">
-                <a16:creationId xmlns:a16="http://schemas.microsoft.com/office/drawing/2014/main" id="{30C3304D-7A31-8377-7211-2CFF92679FDD}"/>
-              </a:ext>
-            </a:extLst>
-          </p:cNvPr>
-          <p:cNvSpPr/>
-          <p:nvPr/>
-        </p:nvSpPr>
-        <p:spPr>
-          <a:xfrm>
-            <a:off x="978811" y="378371"/>
-            <a:ext cx="8291313" cy="4456387"/>
-          </a:xfrm>
-          <a:prstGeom prst="roundRect">
-            <a:avLst>
-              <a:gd name="adj" fmla="val 6814"/>
-            </a:avLst>
-          </a:prstGeom>
-          <a:solidFill>
-            <a:schemeClr val="bg2">
-              <a:lumMod val="50000"/>
-            </a:schemeClr>
-          </a:solidFill>
-          <a:ln>
-            <a:noFill/>
-          </a:ln>
-        </p:spPr>
-        <p:style>
-          <a:lnRef idx="2">
-            <a:schemeClr val="accent1">
-              <a:shade val="50000"/>
-            </a:schemeClr>
-          </a:lnRef>
-          <a:fillRef idx="1">
-            <a:schemeClr val="accent1"/>
-          </a:fillRef>
-          <a:effectRef idx="0">
-            <a:schemeClr val="accent1"/>
-          </a:effectRef>
-          <a:fontRef idx="minor">
-            <a:schemeClr val="lt1"/>
-          </a:fontRef>
-        </p:style>
-        <p:txBody>
-          <a:bodyPr rtlCol="0" anchor="ctr"/>
-          <a:lstStyle/>
-          <a:p>
-            <a:pPr algn="ctr"/>
-            <a:r>
-              <a:rPr lang="en-GB" dirty="0"/>
-              <a:t>Video from Camera</a:t>
-            </a:r>
-          </a:p>
-        </p:txBody>
-      </p:sp>
-      <p:sp>
-        <p:nvSpPr>
-          <p:cNvPr id="14" name="Rectangle: Rounded Corners 13">
-            <a:extLst>
-              <a:ext uri="{FF2B5EF4-FFF2-40B4-BE49-F238E27FC236}">
-                <a16:creationId xmlns:a16="http://schemas.microsoft.com/office/drawing/2014/main" id="{20792E82-8597-B117-AEC6-31D3253DA917}"/>
-              </a:ext>
-            </a:extLst>
-          </p:cNvPr>
-          <p:cNvSpPr/>
-          <p:nvPr/>
-        </p:nvSpPr>
-        <p:spPr>
-          <a:xfrm>
-            <a:off x="4378294" y="4927080"/>
-            <a:ext cx="1492345" cy="666696"/>
-          </a:xfrm>
-          <a:prstGeom prst="roundRect">
-            <a:avLst/>
-          </a:prstGeom>
-          <a:solidFill>
-            <a:schemeClr val="bg2">
-              <a:lumMod val="50000"/>
-            </a:schemeClr>
-          </a:solidFill>
-          <a:ln>
-            <a:noFill/>
-          </a:ln>
-        </p:spPr>
-        <p:style>
-          <a:lnRef idx="2">
-            <a:schemeClr val="accent1">
-              <a:shade val="50000"/>
-            </a:schemeClr>
-          </a:lnRef>
-          <a:fillRef idx="1">
-            <a:schemeClr val="accent1"/>
-          </a:fillRef>
-          <a:effectRef idx="0">
-            <a:schemeClr val="accent1"/>
-          </a:effectRef>
-          <a:fontRef idx="minor">
-            <a:schemeClr val="lt1"/>
-          </a:fontRef>
-        </p:style>
-        <p:txBody>
-          <a:bodyPr rtlCol="0" anchor="ctr"/>
-          <a:lstStyle/>
-          <a:p>
-            <a:pPr algn="ctr"/>
-            <a:r>
-              <a:rPr lang="en-GB" dirty="0"/>
-              <a:t>Take a photo</a:t>
-            </a:r>
-          </a:p>
-        </p:txBody>
-      </p:sp>
     </p:spTree>
     <p:extLst>
       <p:ext uri="{BB962C8B-B14F-4D97-AF65-F5344CB8AC3E}">
-        <p14:creationId xmlns:p14="http://schemas.microsoft.com/office/powerpoint/2010/main" val="199066449"/>
+        <p14:creationId xmlns:p14="http://schemas.microsoft.com/office/powerpoint/2010/main" val="3441289782"/>
       </p:ext>
     </p:extLst>
   </p:cSld>
@@ -5891,7 +6102,9 @@
             <a:avLst/>
           </a:prstGeom>
           <a:solidFill>
-            <a:srgbClr val="FF0000"/>
+            <a:schemeClr val="bg2">
+              <a:lumMod val="50000"/>
+            </a:schemeClr>
           </a:solidFill>
           <a:ln>
             <a:noFill/>
@@ -5946,7 +6159,9 @@
             <a:avLst/>
           </a:prstGeom>
           <a:solidFill>
-            <a:srgbClr val="FF0000"/>
+            <a:schemeClr val="bg2">
+              <a:lumMod val="50000"/>
+            </a:schemeClr>
           </a:solidFill>
           <a:ln>
             <a:noFill/>
@@ -6055,7 +6270,9 @@
             <a:avLst/>
           </a:prstGeom>
           <a:solidFill>
-            <a:srgbClr val="FF0000"/>
+            <a:schemeClr val="bg2">
+              <a:lumMod val="50000"/>
+            </a:schemeClr>
           </a:solidFill>
           <a:ln>
             <a:noFill/>
@@ -6110,7 +6327,9 @@
             <a:avLst/>
           </a:prstGeom>
           <a:solidFill>
-            <a:srgbClr val="FF0000"/>
+            <a:schemeClr val="bg2">
+              <a:lumMod val="50000"/>
+            </a:schemeClr>
           </a:solidFill>
           <a:ln>
             <a:noFill/>
@@ -6194,7 +6413,7 @@
         </p:nvSpPr>
         <p:spPr>
           <a:xfrm>
-            <a:off x="5284101" y="948060"/>
+            <a:off x="5284101" y="996980"/>
             <a:ext cx="4227760" cy="473363"/>
           </a:xfrm>
           <a:prstGeom prst="roundRect">
@@ -6251,7 +6470,7 @@
         </p:nvSpPr>
         <p:spPr>
           <a:xfrm>
-            <a:off x="5349714" y="3652022"/>
+            <a:off x="5284101" y="3993689"/>
             <a:ext cx="4227760" cy="473363"/>
           </a:xfrm>
           <a:prstGeom prst="roundRect">
@@ -6308,7 +6527,7 @@
         </p:nvSpPr>
         <p:spPr>
           <a:xfrm>
-            <a:off x="6096000" y="1678570"/>
+            <a:off x="6070393" y="1835598"/>
             <a:ext cx="2735188" cy="1743915"/>
           </a:xfrm>
           <a:prstGeom prst="roundRect">
@@ -6623,6 +6842,111 @@
           </a:p>
         </p:txBody>
       </p:sp>
+      <p:sp>
+        <p:nvSpPr>
+          <p:cNvPr id="2" name="TextBox 1">
+            <a:extLst>
+              <a:ext uri="{FF2B5EF4-FFF2-40B4-BE49-F238E27FC236}">
+                <a16:creationId xmlns:a16="http://schemas.microsoft.com/office/drawing/2014/main" id="{1126181A-5550-4AB6-429D-58BAB3D9257E}"/>
+              </a:ext>
+            </a:extLst>
+          </p:cNvPr>
+          <p:cNvSpPr txBox="1"/>
+          <p:nvPr/>
+        </p:nvSpPr>
+        <p:spPr>
+          <a:xfrm>
+            <a:off x="2040277" y="5798444"/>
+            <a:ext cx="823559" cy="369332"/>
+          </a:xfrm>
+          <a:prstGeom prst="rect">
+            <a:avLst/>
+          </a:prstGeom>
+          <a:noFill/>
+        </p:spPr>
+        <p:txBody>
+          <a:bodyPr wrap="none" rtlCol="0">
+            <a:spAutoFit/>
+          </a:bodyPr>
+          <a:lstStyle/>
+          <a:p>
+            <a:r>
+              <a:rPr lang="en-GB" dirty="0"/>
+              <a:t>Button</a:t>
+            </a:r>
+          </a:p>
+        </p:txBody>
+      </p:sp>
+      <p:sp>
+        <p:nvSpPr>
+          <p:cNvPr id="5" name="TextBox 4">
+            <a:extLst>
+              <a:ext uri="{FF2B5EF4-FFF2-40B4-BE49-F238E27FC236}">
+                <a16:creationId xmlns:a16="http://schemas.microsoft.com/office/drawing/2014/main" id="{A89BD392-2025-721D-8950-91E26F597624}"/>
+              </a:ext>
+            </a:extLst>
+          </p:cNvPr>
+          <p:cNvSpPr txBox="1"/>
+          <p:nvPr/>
+        </p:nvSpPr>
+        <p:spPr>
+          <a:xfrm>
+            <a:off x="9567517" y="5838087"/>
+            <a:ext cx="823559" cy="369332"/>
+          </a:xfrm>
+          <a:prstGeom prst="rect">
+            <a:avLst/>
+          </a:prstGeom>
+          <a:noFill/>
+        </p:spPr>
+        <p:txBody>
+          <a:bodyPr wrap="none" rtlCol="0">
+            <a:spAutoFit/>
+          </a:bodyPr>
+          <a:lstStyle/>
+          <a:p>
+            <a:r>
+              <a:rPr lang="en-GB" dirty="0"/>
+              <a:t>Button</a:t>
+            </a:r>
+          </a:p>
+        </p:txBody>
+      </p:sp>
+      <p:sp>
+        <p:nvSpPr>
+          <p:cNvPr id="9" name="TextBox 8">
+            <a:extLst>
+              <a:ext uri="{FF2B5EF4-FFF2-40B4-BE49-F238E27FC236}">
+                <a16:creationId xmlns:a16="http://schemas.microsoft.com/office/drawing/2014/main" id="{623586A5-753F-88B2-233C-DACB1DFB6F4A}"/>
+              </a:ext>
+            </a:extLst>
+          </p:cNvPr>
+          <p:cNvSpPr txBox="1"/>
+          <p:nvPr/>
+        </p:nvSpPr>
+        <p:spPr>
+          <a:xfrm>
+            <a:off x="5861996" y="5203007"/>
+            <a:ext cx="823559" cy="369332"/>
+          </a:xfrm>
+          <a:prstGeom prst="rect">
+            <a:avLst/>
+          </a:prstGeom>
+          <a:noFill/>
+        </p:spPr>
+        <p:txBody>
+          <a:bodyPr wrap="none" rtlCol="0">
+            <a:spAutoFit/>
+          </a:bodyPr>
+          <a:lstStyle/>
+          <a:p>
+            <a:r>
+              <a:rPr lang="en-GB" dirty="0"/>
+              <a:t>Button</a:t>
+            </a:r>
+          </a:p>
+        </p:txBody>
+      </p:sp>
     </p:spTree>
     <p:extLst>
       <p:ext uri="{BB962C8B-B14F-4D97-AF65-F5344CB8AC3E}">
@@ -6846,6 +7170,76 @@
           </a:p>
         </p:txBody>
       </p:sp>
+      <p:sp>
+        <p:nvSpPr>
+          <p:cNvPr id="6" name="TextBox 5">
+            <a:extLst>
+              <a:ext uri="{FF2B5EF4-FFF2-40B4-BE49-F238E27FC236}">
+                <a16:creationId xmlns:a16="http://schemas.microsoft.com/office/drawing/2014/main" id="{E77B67C1-0764-A1E9-9739-DC208D9A360C}"/>
+              </a:ext>
+            </a:extLst>
+          </p:cNvPr>
+          <p:cNvSpPr txBox="1"/>
+          <p:nvPr/>
+        </p:nvSpPr>
+        <p:spPr>
+          <a:xfrm>
+            <a:off x="2040277" y="5798444"/>
+            <a:ext cx="823559" cy="369332"/>
+          </a:xfrm>
+          <a:prstGeom prst="rect">
+            <a:avLst/>
+          </a:prstGeom>
+          <a:noFill/>
+        </p:spPr>
+        <p:txBody>
+          <a:bodyPr wrap="none" rtlCol="0">
+            <a:spAutoFit/>
+          </a:bodyPr>
+          <a:lstStyle/>
+          <a:p>
+            <a:r>
+              <a:rPr lang="en-GB" dirty="0"/>
+              <a:t>Button</a:t>
+            </a:r>
+          </a:p>
+        </p:txBody>
+      </p:sp>
+      <p:sp>
+        <p:nvSpPr>
+          <p:cNvPr id="7" name="TextBox 6">
+            <a:extLst>
+              <a:ext uri="{FF2B5EF4-FFF2-40B4-BE49-F238E27FC236}">
+                <a16:creationId xmlns:a16="http://schemas.microsoft.com/office/drawing/2014/main" id="{7D24A791-95FF-6330-4D03-3549C5281DC9}"/>
+              </a:ext>
+            </a:extLst>
+          </p:cNvPr>
+          <p:cNvSpPr txBox="1"/>
+          <p:nvPr/>
+        </p:nvSpPr>
+        <p:spPr>
+          <a:xfrm>
+            <a:off x="9567517" y="5838087"/>
+            <a:ext cx="823559" cy="369332"/>
+          </a:xfrm>
+          <a:prstGeom prst="rect">
+            <a:avLst/>
+          </a:prstGeom>
+          <a:noFill/>
+        </p:spPr>
+        <p:txBody>
+          <a:bodyPr wrap="none" rtlCol="0">
+            <a:spAutoFit/>
+          </a:bodyPr>
+          <a:lstStyle/>
+          <a:p>
+            <a:r>
+              <a:rPr lang="en-GB" dirty="0"/>
+              <a:t>Button</a:t>
+            </a:r>
+          </a:p>
+        </p:txBody>
+      </p:sp>
     </p:spTree>
     <p:extLst>
       <p:ext uri="{BB962C8B-B14F-4D97-AF65-F5344CB8AC3E}">
@@ -7510,6 +7904,76 @@
           </a:p>
         </p:txBody>
       </p:sp>
+      <p:sp>
+        <p:nvSpPr>
+          <p:cNvPr id="12" name="TextBox 11">
+            <a:extLst>
+              <a:ext uri="{FF2B5EF4-FFF2-40B4-BE49-F238E27FC236}">
+                <a16:creationId xmlns:a16="http://schemas.microsoft.com/office/drawing/2014/main" id="{71038BE8-7932-9369-1D7B-290C43281B98}"/>
+              </a:ext>
+            </a:extLst>
+          </p:cNvPr>
+          <p:cNvSpPr txBox="1"/>
+          <p:nvPr/>
+        </p:nvSpPr>
+        <p:spPr>
+          <a:xfrm>
+            <a:off x="2040277" y="5798444"/>
+            <a:ext cx="823559" cy="369332"/>
+          </a:xfrm>
+          <a:prstGeom prst="rect">
+            <a:avLst/>
+          </a:prstGeom>
+          <a:noFill/>
+        </p:spPr>
+        <p:txBody>
+          <a:bodyPr wrap="none" rtlCol="0">
+            <a:spAutoFit/>
+          </a:bodyPr>
+          <a:lstStyle/>
+          <a:p>
+            <a:r>
+              <a:rPr lang="en-GB" dirty="0"/>
+              <a:t>Button</a:t>
+            </a:r>
+          </a:p>
+        </p:txBody>
+      </p:sp>
+      <p:sp>
+        <p:nvSpPr>
+          <p:cNvPr id="13" name="TextBox 12">
+            <a:extLst>
+              <a:ext uri="{FF2B5EF4-FFF2-40B4-BE49-F238E27FC236}">
+                <a16:creationId xmlns:a16="http://schemas.microsoft.com/office/drawing/2014/main" id="{9F1AB98A-7726-B4F3-0B4D-B69BE95FF569}"/>
+              </a:ext>
+            </a:extLst>
+          </p:cNvPr>
+          <p:cNvSpPr txBox="1"/>
+          <p:nvPr/>
+        </p:nvSpPr>
+        <p:spPr>
+          <a:xfrm>
+            <a:off x="9567517" y="5838087"/>
+            <a:ext cx="823559" cy="369332"/>
+          </a:xfrm>
+          <a:prstGeom prst="rect">
+            <a:avLst/>
+          </a:prstGeom>
+          <a:noFill/>
+        </p:spPr>
+        <p:txBody>
+          <a:bodyPr wrap="none" rtlCol="0">
+            <a:spAutoFit/>
+          </a:bodyPr>
+          <a:lstStyle/>
+          <a:p>
+            <a:r>
+              <a:rPr lang="en-GB" dirty="0"/>
+              <a:t>Button</a:t>
+            </a:r>
+          </a:p>
+        </p:txBody>
+      </p:sp>
     </p:spTree>
     <p:extLst>
       <p:ext uri="{BB962C8B-B14F-4D97-AF65-F5344CB8AC3E}">
@@ -8020,7 +8484,7 @@
             <a:pPr algn="ctr"/>
             <a:r>
               <a:rPr lang="en-GB" dirty="0"/>
-              <a:t>Frame 1</a:t>
+              <a:t>Editing section</a:t>
             </a:r>
           </a:p>
         </p:txBody>
@@ -8070,6 +8534,76 @@
             <a:r>
               <a:rPr lang="en-GB" dirty="0"/>
               <a:t>Back</a:t>
+            </a:r>
+          </a:p>
+        </p:txBody>
+      </p:sp>
+      <p:sp>
+        <p:nvSpPr>
+          <p:cNvPr id="2" name="TextBox 1">
+            <a:extLst>
+              <a:ext uri="{FF2B5EF4-FFF2-40B4-BE49-F238E27FC236}">
+                <a16:creationId xmlns:a16="http://schemas.microsoft.com/office/drawing/2014/main" id="{24FFF6CB-E2A1-C178-78D2-159B70BB8DC5}"/>
+              </a:ext>
+            </a:extLst>
+          </p:cNvPr>
+          <p:cNvSpPr txBox="1"/>
+          <p:nvPr/>
+        </p:nvSpPr>
+        <p:spPr>
+          <a:xfrm>
+            <a:off x="2040277" y="5798444"/>
+            <a:ext cx="823559" cy="369332"/>
+          </a:xfrm>
+          <a:prstGeom prst="rect">
+            <a:avLst/>
+          </a:prstGeom>
+          <a:noFill/>
+        </p:spPr>
+        <p:txBody>
+          <a:bodyPr wrap="none" rtlCol="0">
+            <a:spAutoFit/>
+          </a:bodyPr>
+          <a:lstStyle/>
+          <a:p>
+            <a:r>
+              <a:rPr lang="en-GB" dirty="0"/>
+              <a:t>Button</a:t>
+            </a:r>
+          </a:p>
+        </p:txBody>
+      </p:sp>
+      <p:sp>
+        <p:nvSpPr>
+          <p:cNvPr id="3" name="TextBox 2">
+            <a:extLst>
+              <a:ext uri="{FF2B5EF4-FFF2-40B4-BE49-F238E27FC236}">
+                <a16:creationId xmlns:a16="http://schemas.microsoft.com/office/drawing/2014/main" id="{1E427B43-B1D4-F907-547B-EC12F0F42D4E}"/>
+              </a:ext>
+            </a:extLst>
+          </p:cNvPr>
+          <p:cNvSpPr txBox="1"/>
+          <p:nvPr/>
+        </p:nvSpPr>
+        <p:spPr>
+          <a:xfrm>
+            <a:off x="9567517" y="5838087"/>
+            <a:ext cx="823559" cy="369332"/>
+          </a:xfrm>
+          <a:prstGeom prst="rect">
+            <a:avLst/>
+          </a:prstGeom>
+          <a:noFill/>
+        </p:spPr>
+        <p:txBody>
+          <a:bodyPr wrap="none" rtlCol="0">
+            <a:spAutoFit/>
+          </a:bodyPr>
+          <a:lstStyle/>
+          <a:p>
+            <a:r>
+              <a:rPr lang="en-GB" dirty="0"/>
+              <a:t>Button</a:t>
             </a:r>
           </a:p>
         </p:txBody>
@@ -9168,7 +9702,7 @@
           <p:cNvPr id="4" name="Rectangle 3">
             <a:extLst>
               <a:ext uri="{FF2B5EF4-FFF2-40B4-BE49-F238E27FC236}">
-                <a16:creationId xmlns:a16="http://schemas.microsoft.com/office/drawing/2014/main" id="{72D00F5A-8DB9-4AA9-4ADF-5E6D20B22693}"/>
+                <a16:creationId xmlns:a16="http://schemas.microsoft.com/office/drawing/2014/main" id="{D8D554EC-1A6A-44E7-D282-E16175792D79}"/>
               </a:ext>
             </a:extLst>
           </p:cNvPr>
@@ -9183,62 +9717,24 @@
           <a:prstGeom prst="rect">
             <a:avLst/>
           </a:prstGeom>
+          <a:solidFill>
+            <a:schemeClr val="accent3">
+              <a:alpha val="50000"/>
+            </a:schemeClr>
+          </a:solidFill>
+          <a:ln>
+            <a:noFill/>
+          </a:ln>
         </p:spPr>
         <p:style>
-          <a:lnRef idx="2">
-            <a:schemeClr val="dk1"/>
+          <a:lnRef idx="0">
+            <a:scrgbClr r="0" g="0" b="0"/>
           </a:lnRef>
-          <a:fillRef idx="1">
-            <a:schemeClr val="lt1"/>
+          <a:fillRef idx="0">
+            <a:scrgbClr r="0" g="0" b="0"/>
           </a:fillRef>
           <a:effectRef idx="0">
-            <a:schemeClr val="dk1"/>
-          </a:effectRef>
-          <a:fontRef idx="minor">
-            <a:schemeClr val="dk1"/>
-          </a:fontRef>
-        </p:style>
-        <p:txBody>
-          <a:bodyPr rtlCol="0" anchor="ctr"/>
-          <a:lstStyle/>
-          <a:p>
-            <a:pPr algn="ctr"/>
-            <a:endParaRPr lang="en-GB"/>
-          </a:p>
-        </p:txBody>
-      </p:sp>
-      <p:sp>
-        <p:nvSpPr>
-          <p:cNvPr id="2" name="Rectangle: Rounded Corners 1">
-            <a:extLst>
-              <a:ext uri="{FF2B5EF4-FFF2-40B4-BE49-F238E27FC236}">
-                <a16:creationId xmlns:a16="http://schemas.microsoft.com/office/drawing/2014/main" id="{A242CA1A-8B0D-DFC0-9740-83D388F215D6}"/>
-              </a:ext>
-            </a:extLst>
-          </p:cNvPr>
-          <p:cNvSpPr/>
-          <p:nvPr/>
-        </p:nvSpPr>
-        <p:spPr>
-          <a:xfrm>
-            <a:off x="747584" y="5905255"/>
-            <a:ext cx="1854032" cy="601734"/>
-          </a:xfrm>
-          <a:prstGeom prst="roundRect">
-            <a:avLst/>
-          </a:prstGeom>
-        </p:spPr>
-        <p:style>
-          <a:lnRef idx="2">
-            <a:schemeClr val="accent1">
-              <a:shade val="50000"/>
-            </a:schemeClr>
-          </a:lnRef>
-          <a:fillRef idx="1">
-            <a:schemeClr val="accent1"/>
-          </a:fillRef>
-          <a:effectRef idx="0">
-            <a:schemeClr val="accent1"/>
+            <a:scrgbClr r="0" g="0" b="0"/>
           </a:effectRef>
           <a:fontRef idx="minor">
             <a:schemeClr val="lt1"/>
@@ -9249,19 +9745,16 @@
           <a:lstStyle/>
           <a:p>
             <a:pPr algn="ctr"/>
-            <a:r>
-              <a:rPr lang="en-GB" dirty="0"/>
-              <a:t>Exit</a:t>
-            </a:r>
-          </a:p>
-        </p:txBody>
-      </p:sp>
-      <p:sp>
-        <p:nvSpPr>
-          <p:cNvPr id="3" name="Rectangle: Rounded Corners 2">
-            <a:extLst>
-              <a:ext uri="{FF2B5EF4-FFF2-40B4-BE49-F238E27FC236}">
-                <a16:creationId xmlns:a16="http://schemas.microsoft.com/office/drawing/2014/main" id="{ED7BFDFD-9696-09DF-DB58-405CECF05C06}"/>
+            <a:endParaRPr lang="en-GB"/>
+          </a:p>
+        </p:txBody>
+      </p:sp>
+      <p:sp>
+        <p:nvSpPr>
+          <p:cNvPr id="5" name="Rectangle: Rounded Corners 4">
+            <a:extLst>
+              <a:ext uri="{FF2B5EF4-FFF2-40B4-BE49-F238E27FC236}">
+                <a16:creationId xmlns:a16="http://schemas.microsoft.com/office/drawing/2014/main" id="{A5579AB8-2BF9-B2BD-EBA1-BC9C3C63E3EC}"/>
               </a:ext>
             </a:extLst>
           </p:cNvPr>
@@ -9270,24 +9763,32 @@
         </p:nvSpPr>
         <p:spPr>
           <a:xfrm>
-            <a:off x="9802111" y="5911155"/>
-            <a:ext cx="1854032" cy="601734"/>
+            <a:off x="765943" y="256622"/>
+            <a:ext cx="8651325" cy="5429476"/>
           </a:xfrm>
           <a:prstGeom prst="roundRect">
-            <a:avLst/>
-          </a:prstGeom>
+            <a:avLst>
+              <a:gd name="adj" fmla="val 5299"/>
+            </a:avLst>
+          </a:prstGeom>
+          <a:solidFill>
+            <a:schemeClr val="accent2">
+              <a:alpha val="50000"/>
+            </a:schemeClr>
+          </a:solidFill>
+          <a:ln>
+            <a:noFill/>
+          </a:ln>
         </p:spPr>
         <p:style>
-          <a:lnRef idx="2">
-            <a:schemeClr val="accent1">
-              <a:shade val="50000"/>
-            </a:schemeClr>
+          <a:lnRef idx="0">
+            <a:scrgbClr r="0" g="0" b="0"/>
           </a:lnRef>
-          <a:fillRef idx="1">
-            <a:schemeClr val="accent1"/>
+          <a:fillRef idx="0">
+            <a:scrgbClr r="0" g="0" b="0"/>
           </a:fillRef>
           <a:effectRef idx="0">
-            <a:schemeClr val="accent1"/>
+            <a:scrgbClr r="0" g="0" b="0"/>
           </a:effectRef>
           <a:fontRef idx="minor">
             <a:schemeClr val="lt1"/>
@@ -9298,9 +9799,515 @@
           <a:lstStyle/>
           <a:p>
             <a:pPr algn="ctr"/>
+            <a:endParaRPr lang="en-GB" dirty="0"/>
+          </a:p>
+        </p:txBody>
+      </p:sp>
+      <p:sp>
+        <p:nvSpPr>
+          <p:cNvPr id="6" name="Rectangle: Rounded Corners 5">
+            <a:extLst>
+              <a:ext uri="{FF2B5EF4-FFF2-40B4-BE49-F238E27FC236}">
+                <a16:creationId xmlns:a16="http://schemas.microsoft.com/office/drawing/2014/main" id="{85FA8B02-BA13-2513-F3FF-25F07A59291A}"/>
+              </a:ext>
+            </a:extLst>
+          </p:cNvPr>
+          <p:cNvSpPr/>
+          <p:nvPr/>
+        </p:nvSpPr>
+        <p:spPr>
+          <a:xfrm>
+            <a:off x="9569678" y="256621"/>
+            <a:ext cx="2112570" cy="5429476"/>
+          </a:xfrm>
+          <a:prstGeom prst="roundRect">
+            <a:avLst>
+              <a:gd name="adj" fmla="val 11692"/>
+            </a:avLst>
+          </a:prstGeom>
+          <a:solidFill>
+            <a:schemeClr val="accent2">
+              <a:alpha val="50000"/>
+            </a:schemeClr>
+          </a:solidFill>
+          <a:ln>
+            <a:noFill/>
+          </a:ln>
+        </p:spPr>
+        <p:style>
+          <a:lnRef idx="0">
+            <a:scrgbClr r="0" g="0" b="0"/>
+          </a:lnRef>
+          <a:fillRef idx="0">
+            <a:scrgbClr r="0" g="0" b="0"/>
+          </a:fillRef>
+          <a:effectRef idx="0">
+            <a:scrgbClr r="0" g="0" b="0"/>
+          </a:effectRef>
+          <a:fontRef idx="minor">
+            <a:schemeClr val="lt1"/>
+          </a:fontRef>
+        </p:style>
+        <p:txBody>
+          <a:bodyPr rtlCol="0" anchor="ctr"/>
+          <a:lstStyle/>
+          <a:p>
+            <a:pPr algn="ctr"/>
+            <a:endParaRPr lang="en-GB" dirty="0"/>
+          </a:p>
+        </p:txBody>
+      </p:sp>
+      <p:sp>
+        <p:nvSpPr>
+          <p:cNvPr id="7" name="Rectangle: Rounded Corners 6">
+            <a:extLst>
+              <a:ext uri="{FF2B5EF4-FFF2-40B4-BE49-F238E27FC236}">
+                <a16:creationId xmlns:a16="http://schemas.microsoft.com/office/drawing/2014/main" id="{196A0EBE-6B53-CC42-2119-6097D5C97458}"/>
+              </a:ext>
+            </a:extLst>
+          </p:cNvPr>
+          <p:cNvSpPr/>
+          <p:nvPr/>
+        </p:nvSpPr>
+        <p:spPr>
+          <a:xfrm>
+            <a:off x="765943" y="5812932"/>
+            <a:ext cx="10916305" cy="666696"/>
+          </a:xfrm>
+          <a:prstGeom prst="roundRect">
+            <a:avLst>
+              <a:gd name="adj" fmla="val 29033"/>
+            </a:avLst>
+          </a:prstGeom>
+          <a:solidFill>
+            <a:schemeClr val="accent2">
+              <a:alpha val="50000"/>
+            </a:schemeClr>
+          </a:solidFill>
+          <a:ln>
+            <a:noFill/>
+          </a:ln>
+        </p:spPr>
+        <p:style>
+          <a:lnRef idx="0">
+            <a:scrgbClr r="0" g="0" b="0"/>
+          </a:lnRef>
+          <a:fillRef idx="0">
+            <a:scrgbClr r="0" g="0" b="0"/>
+          </a:fillRef>
+          <a:effectRef idx="0">
+            <a:scrgbClr r="0" g="0" b="0"/>
+          </a:effectRef>
+          <a:fontRef idx="minor">
+            <a:schemeClr val="lt1"/>
+          </a:fontRef>
+        </p:style>
+        <p:txBody>
+          <a:bodyPr rtlCol="0" anchor="ctr"/>
+          <a:lstStyle/>
+          <a:p>
+            <a:pPr algn="ctr"/>
+            <a:endParaRPr lang="en-GB" dirty="0"/>
+          </a:p>
+        </p:txBody>
+      </p:sp>
+      <p:sp>
+        <p:nvSpPr>
+          <p:cNvPr id="8" name="Rectangle: Rounded Corners 7">
+            <a:extLst>
+              <a:ext uri="{FF2B5EF4-FFF2-40B4-BE49-F238E27FC236}">
+                <a16:creationId xmlns:a16="http://schemas.microsoft.com/office/drawing/2014/main" id="{9712A587-BECF-5345-5064-1F61136F8657}"/>
+              </a:ext>
+            </a:extLst>
+          </p:cNvPr>
+          <p:cNvSpPr/>
+          <p:nvPr/>
+        </p:nvSpPr>
+        <p:spPr>
+          <a:xfrm>
+            <a:off x="978811" y="5909254"/>
+            <a:ext cx="1301933" cy="474051"/>
+          </a:xfrm>
+          <a:prstGeom prst="roundRect">
+            <a:avLst/>
+          </a:prstGeom>
+          <a:solidFill>
+            <a:schemeClr val="bg2">
+              <a:lumMod val="50000"/>
+            </a:schemeClr>
+          </a:solidFill>
+          <a:ln>
+            <a:noFill/>
+          </a:ln>
+        </p:spPr>
+        <p:style>
+          <a:lnRef idx="2">
+            <a:schemeClr val="accent1">
+              <a:shade val="50000"/>
+            </a:schemeClr>
+          </a:lnRef>
+          <a:fillRef idx="1">
+            <a:schemeClr val="accent1"/>
+          </a:fillRef>
+          <a:effectRef idx="0">
+            <a:schemeClr val="accent1"/>
+          </a:effectRef>
+          <a:fontRef idx="minor">
+            <a:schemeClr val="lt1"/>
+          </a:fontRef>
+        </p:style>
+        <p:txBody>
+          <a:bodyPr rtlCol="0" anchor="ctr"/>
+          <a:lstStyle/>
+          <a:p>
+            <a:pPr algn="ctr"/>
+            <a:r>
+              <a:rPr lang="en-GB" dirty="0"/>
+              <a:t>Exit</a:t>
+            </a:r>
+          </a:p>
+        </p:txBody>
+      </p:sp>
+      <p:sp>
+        <p:nvSpPr>
+          <p:cNvPr id="9" name="Rectangle: Rounded Corners 8">
+            <a:extLst>
+              <a:ext uri="{FF2B5EF4-FFF2-40B4-BE49-F238E27FC236}">
+                <a16:creationId xmlns:a16="http://schemas.microsoft.com/office/drawing/2014/main" id="{CA369B32-85C7-8734-28A9-44C56560ACC3}"/>
+              </a:ext>
+            </a:extLst>
+          </p:cNvPr>
+          <p:cNvSpPr/>
+          <p:nvPr/>
+        </p:nvSpPr>
+        <p:spPr>
+          <a:xfrm>
+            <a:off x="10124124" y="5909253"/>
+            <a:ext cx="1301933" cy="474051"/>
+          </a:xfrm>
+          <a:prstGeom prst="roundRect">
+            <a:avLst/>
+          </a:prstGeom>
+          <a:solidFill>
+            <a:schemeClr val="bg2">
+              <a:lumMod val="50000"/>
+            </a:schemeClr>
+          </a:solidFill>
+          <a:ln>
+            <a:noFill/>
+          </a:ln>
+        </p:spPr>
+        <p:style>
+          <a:lnRef idx="2">
+            <a:schemeClr val="accent1">
+              <a:shade val="50000"/>
+            </a:schemeClr>
+          </a:lnRef>
+          <a:fillRef idx="1">
+            <a:schemeClr val="accent1"/>
+          </a:fillRef>
+          <a:effectRef idx="0">
+            <a:schemeClr val="accent1"/>
+          </a:effectRef>
+          <a:fontRef idx="minor">
+            <a:schemeClr val="lt1"/>
+          </a:fontRef>
+        </p:style>
+        <p:txBody>
+          <a:bodyPr rtlCol="0" anchor="ctr"/>
+          <a:lstStyle/>
+          <a:p>
+            <a:pPr algn="ctr"/>
             <a:r>
               <a:rPr lang="en-GB" dirty="0"/>
               <a:t>Next</a:t>
+            </a:r>
+          </a:p>
+        </p:txBody>
+      </p:sp>
+      <p:sp>
+        <p:nvSpPr>
+          <p:cNvPr id="10" name="Rectangle: Rounded Corners 9">
+            <a:extLst>
+              <a:ext uri="{FF2B5EF4-FFF2-40B4-BE49-F238E27FC236}">
+                <a16:creationId xmlns:a16="http://schemas.microsoft.com/office/drawing/2014/main" id="{BEE30118-53A6-CD00-F408-B9730F5884CE}"/>
+              </a:ext>
+            </a:extLst>
+          </p:cNvPr>
+          <p:cNvSpPr/>
+          <p:nvPr/>
+        </p:nvSpPr>
+        <p:spPr>
+          <a:xfrm>
+            <a:off x="9959337" y="474696"/>
+            <a:ext cx="1333252" cy="946725"/>
+          </a:xfrm>
+          <a:prstGeom prst="roundRect">
+            <a:avLst/>
+          </a:prstGeom>
+          <a:solidFill>
+            <a:schemeClr val="bg2">
+              <a:lumMod val="50000"/>
+            </a:schemeClr>
+          </a:solidFill>
+          <a:ln>
+            <a:noFill/>
+          </a:ln>
+        </p:spPr>
+        <p:style>
+          <a:lnRef idx="2">
+            <a:schemeClr val="accent1">
+              <a:shade val="50000"/>
+            </a:schemeClr>
+          </a:lnRef>
+          <a:fillRef idx="1">
+            <a:schemeClr val="accent1"/>
+          </a:fillRef>
+          <a:effectRef idx="0">
+            <a:schemeClr val="accent1"/>
+          </a:effectRef>
+          <a:fontRef idx="minor">
+            <a:schemeClr val="lt1"/>
+          </a:fontRef>
+        </p:style>
+        <p:txBody>
+          <a:bodyPr rtlCol="0" anchor="ctr"/>
+          <a:lstStyle/>
+          <a:p>
+            <a:pPr algn="ctr"/>
+            <a:r>
+              <a:rPr lang="en-GB" dirty="0"/>
+              <a:t>Frame</a:t>
+            </a:r>
+          </a:p>
+        </p:txBody>
+      </p:sp>
+      <p:sp>
+        <p:nvSpPr>
+          <p:cNvPr id="11" name="Rectangle: Rounded Corners 10">
+            <a:extLst>
+              <a:ext uri="{FF2B5EF4-FFF2-40B4-BE49-F238E27FC236}">
+                <a16:creationId xmlns:a16="http://schemas.microsoft.com/office/drawing/2014/main" id="{682D700A-36DB-AEB1-E7C2-1F0AF4FFE1D2}"/>
+              </a:ext>
+            </a:extLst>
+          </p:cNvPr>
+          <p:cNvSpPr/>
+          <p:nvPr/>
+        </p:nvSpPr>
+        <p:spPr>
+          <a:xfrm>
+            <a:off x="9959337" y="1517742"/>
+            <a:ext cx="1333252" cy="946725"/>
+          </a:xfrm>
+          <a:prstGeom prst="roundRect">
+            <a:avLst/>
+          </a:prstGeom>
+          <a:solidFill>
+            <a:schemeClr val="bg2">
+              <a:lumMod val="50000"/>
+            </a:schemeClr>
+          </a:solidFill>
+          <a:ln>
+            <a:noFill/>
+          </a:ln>
+        </p:spPr>
+        <p:style>
+          <a:lnRef idx="2">
+            <a:schemeClr val="accent1">
+              <a:shade val="50000"/>
+            </a:schemeClr>
+          </a:lnRef>
+          <a:fillRef idx="1">
+            <a:schemeClr val="accent1"/>
+          </a:fillRef>
+          <a:effectRef idx="0">
+            <a:schemeClr val="accent1"/>
+          </a:effectRef>
+          <a:fontRef idx="minor">
+            <a:schemeClr val="lt1"/>
+          </a:fontRef>
+        </p:style>
+        <p:txBody>
+          <a:bodyPr rtlCol="0" anchor="ctr"/>
+          <a:lstStyle/>
+          <a:p>
+            <a:pPr algn="ctr"/>
+            <a:r>
+              <a:rPr lang="en-GB" dirty="0"/>
+              <a:t>Frame</a:t>
+            </a:r>
+          </a:p>
+        </p:txBody>
+      </p:sp>
+      <p:sp>
+        <p:nvSpPr>
+          <p:cNvPr id="12" name="Rectangle: Rounded Corners 11">
+            <a:extLst>
+              <a:ext uri="{FF2B5EF4-FFF2-40B4-BE49-F238E27FC236}">
+                <a16:creationId xmlns:a16="http://schemas.microsoft.com/office/drawing/2014/main" id="{F923FD30-A9BB-47B5-7118-3601646C1146}"/>
+              </a:ext>
+            </a:extLst>
+          </p:cNvPr>
+          <p:cNvSpPr/>
+          <p:nvPr/>
+        </p:nvSpPr>
+        <p:spPr>
+          <a:xfrm>
+            <a:off x="9959337" y="2558873"/>
+            <a:ext cx="1333252" cy="946725"/>
+          </a:xfrm>
+          <a:prstGeom prst="roundRect">
+            <a:avLst/>
+          </a:prstGeom>
+          <a:solidFill>
+            <a:schemeClr val="bg2">
+              <a:lumMod val="50000"/>
+            </a:schemeClr>
+          </a:solidFill>
+          <a:ln>
+            <a:noFill/>
+          </a:ln>
+        </p:spPr>
+        <p:style>
+          <a:lnRef idx="2">
+            <a:schemeClr val="accent1">
+              <a:shade val="50000"/>
+            </a:schemeClr>
+          </a:lnRef>
+          <a:fillRef idx="1">
+            <a:schemeClr val="accent1"/>
+          </a:fillRef>
+          <a:effectRef idx="0">
+            <a:schemeClr val="accent1"/>
+          </a:effectRef>
+          <a:fontRef idx="minor">
+            <a:schemeClr val="lt1"/>
+          </a:fontRef>
+        </p:style>
+        <p:txBody>
+          <a:bodyPr rtlCol="0" anchor="ctr"/>
+          <a:lstStyle/>
+          <a:p>
+            <a:pPr algn="ctr"/>
+            <a:r>
+              <a:rPr lang="en-GB" dirty="0"/>
+              <a:t>Frame</a:t>
+            </a:r>
+          </a:p>
+        </p:txBody>
+      </p:sp>
+      <p:sp>
+        <p:nvSpPr>
+          <p:cNvPr id="13" name="Rectangle: Rounded Corners 12">
+            <a:extLst>
+              <a:ext uri="{FF2B5EF4-FFF2-40B4-BE49-F238E27FC236}">
+                <a16:creationId xmlns:a16="http://schemas.microsoft.com/office/drawing/2014/main" id="{30C3304D-7A31-8377-7211-2CFF92679FDD}"/>
+              </a:ext>
+            </a:extLst>
+          </p:cNvPr>
+          <p:cNvSpPr/>
+          <p:nvPr/>
+        </p:nvSpPr>
+        <p:spPr>
+          <a:xfrm>
+            <a:off x="978811" y="378371"/>
+            <a:ext cx="8291313" cy="4456387"/>
+          </a:xfrm>
+          <a:prstGeom prst="roundRect">
+            <a:avLst>
+              <a:gd name="adj" fmla="val 6814"/>
+            </a:avLst>
+          </a:prstGeom>
+          <a:solidFill>
+            <a:schemeClr val="bg2">
+              <a:lumMod val="50000"/>
+            </a:schemeClr>
+          </a:solidFill>
+          <a:ln>
+            <a:noFill/>
+          </a:ln>
+        </p:spPr>
+        <p:style>
+          <a:lnRef idx="2">
+            <a:schemeClr val="accent1">
+              <a:shade val="50000"/>
+            </a:schemeClr>
+          </a:lnRef>
+          <a:fillRef idx="1">
+            <a:schemeClr val="accent1"/>
+          </a:fillRef>
+          <a:effectRef idx="0">
+            <a:schemeClr val="accent1"/>
+          </a:effectRef>
+          <a:fontRef idx="minor">
+            <a:schemeClr val="lt1"/>
+          </a:fontRef>
+        </p:style>
+        <p:txBody>
+          <a:bodyPr rtlCol="0" anchor="ctr"/>
+          <a:lstStyle/>
+          <a:p>
+            <a:pPr algn="ctr"/>
+            <a:r>
+              <a:rPr lang="en-GB" dirty="0"/>
+              <a:t>Video from Camera</a:t>
+            </a:r>
+          </a:p>
+        </p:txBody>
+      </p:sp>
+      <p:sp>
+        <p:nvSpPr>
+          <p:cNvPr id="14" name="Rectangle: Rounded Corners 13">
+            <a:extLst>
+              <a:ext uri="{FF2B5EF4-FFF2-40B4-BE49-F238E27FC236}">
+                <a16:creationId xmlns:a16="http://schemas.microsoft.com/office/drawing/2014/main" id="{20792E82-8597-B117-AEC6-31D3253DA917}"/>
+              </a:ext>
+            </a:extLst>
+          </p:cNvPr>
+          <p:cNvSpPr/>
+          <p:nvPr/>
+        </p:nvSpPr>
+        <p:spPr>
+          <a:xfrm>
+            <a:off x="4378294" y="4927080"/>
+            <a:ext cx="1492345" cy="666696"/>
+          </a:xfrm>
+          <a:prstGeom prst="roundRect">
+            <a:avLst/>
+          </a:prstGeom>
+          <a:solidFill>
+            <a:schemeClr val="bg2">
+              <a:lumMod val="50000"/>
+            </a:schemeClr>
+          </a:solidFill>
+          <a:ln>
+            <a:noFill/>
+          </a:ln>
+        </p:spPr>
+        <p:style>
+          <a:lnRef idx="2">
+            <a:schemeClr val="accent1">
+              <a:shade val="50000"/>
+            </a:schemeClr>
+          </a:lnRef>
+          <a:fillRef idx="1">
+            <a:schemeClr val="accent1"/>
+          </a:fillRef>
+          <a:effectRef idx="0">
+            <a:schemeClr val="accent1"/>
+          </a:effectRef>
+          <a:fontRef idx="minor">
+            <a:schemeClr val="lt1"/>
+          </a:fontRef>
+        </p:style>
+        <p:txBody>
+          <a:bodyPr rtlCol="0" anchor="ctr"/>
+          <a:lstStyle/>
+          <a:p>
+            <a:pPr algn="ctr"/>
+            <a:r>
+              <a:rPr lang="en-GB" dirty="0"/>
+              <a:t>Take a photo</a:t>
             </a:r>
           </a:p>
         </p:txBody>
@@ -9308,7 +10315,7 @@
     </p:spTree>
     <p:extLst>
       <p:ext uri="{BB962C8B-B14F-4D97-AF65-F5344CB8AC3E}">
-        <p14:creationId xmlns:p14="http://schemas.microsoft.com/office/powerpoint/2010/main" val="2526937000"/>
+        <p14:creationId xmlns:p14="http://schemas.microsoft.com/office/powerpoint/2010/main" val="199066449"/>
       </p:ext>
     </p:extLst>
   </p:cSld>
